--- a/openHPI/Farbschema.pptx
+++ b/openHPI/Farbschema.pptx
@@ -239,7 +239,8 @@
           <a:p>
             <a:fld id="{0766EFC2-4840-4FB3-9AD7-F492D8CBD41D}" type="datetimeFigureOut">
               <a:rPr lang="de-DE" smtClean="0"/>
-              <a:t>22.07.2016</a:t>
+              <a:pPr/>
+              <a:t>23.07.2016</a:t>
             </a:fld>
             <a:endParaRPr lang="de-DE"/>
           </a:p>
@@ -281,6 +282,7 @@
           <a:p>
             <a:fld id="{4BCF9E9A-5351-4D0B-B9F3-D68745939D48}" type="slidenum">
               <a:rPr lang="de-DE" smtClean="0"/>
+              <a:pPr/>
               <a:t>‹Nr.›</a:t>
             </a:fld>
             <a:endParaRPr lang="de-DE"/>
@@ -290,7 +292,7 @@
     </p:spTree>
     <p:extLst>
       <p:ext uri="{BB962C8B-B14F-4D97-AF65-F5344CB8AC3E}">
-        <p14:creationId xmlns:p14="http://schemas.microsoft.com/office/powerpoint/2010/main" val="3482179455"/>
+        <p14:creationId xmlns:p14="http://schemas.microsoft.com/office/powerpoint/2010/main" xmlns="" val="3482179455"/>
       </p:ext>
     </p:extLst>
   </p:cSld>
@@ -409,7 +411,8 @@
           <a:p>
             <a:fld id="{0766EFC2-4840-4FB3-9AD7-F492D8CBD41D}" type="datetimeFigureOut">
               <a:rPr lang="de-DE" smtClean="0"/>
-              <a:t>22.07.2016</a:t>
+              <a:pPr/>
+              <a:t>23.07.2016</a:t>
             </a:fld>
             <a:endParaRPr lang="de-DE"/>
           </a:p>
@@ -451,6 +454,7 @@
           <a:p>
             <a:fld id="{4BCF9E9A-5351-4D0B-B9F3-D68745939D48}" type="slidenum">
               <a:rPr lang="de-DE" smtClean="0"/>
+              <a:pPr/>
               <a:t>‹Nr.›</a:t>
             </a:fld>
             <a:endParaRPr lang="de-DE"/>
@@ -460,7 +464,7 @@
     </p:spTree>
     <p:extLst>
       <p:ext uri="{BB962C8B-B14F-4D97-AF65-F5344CB8AC3E}">
-        <p14:creationId xmlns:p14="http://schemas.microsoft.com/office/powerpoint/2010/main" val="170156234"/>
+        <p14:creationId xmlns:p14="http://schemas.microsoft.com/office/powerpoint/2010/main" xmlns="" val="170156234"/>
       </p:ext>
     </p:extLst>
   </p:cSld>
@@ -589,7 +593,8 @@
           <a:p>
             <a:fld id="{0766EFC2-4840-4FB3-9AD7-F492D8CBD41D}" type="datetimeFigureOut">
               <a:rPr lang="de-DE" smtClean="0"/>
-              <a:t>22.07.2016</a:t>
+              <a:pPr/>
+              <a:t>23.07.2016</a:t>
             </a:fld>
             <a:endParaRPr lang="de-DE"/>
           </a:p>
@@ -631,6 +636,7 @@
           <a:p>
             <a:fld id="{4BCF9E9A-5351-4D0B-B9F3-D68745939D48}" type="slidenum">
               <a:rPr lang="de-DE" smtClean="0"/>
+              <a:pPr/>
               <a:t>‹Nr.›</a:t>
             </a:fld>
             <a:endParaRPr lang="de-DE"/>
@@ -640,7 +646,7 @@
     </p:spTree>
     <p:extLst>
       <p:ext uri="{BB962C8B-B14F-4D97-AF65-F5344CB8AC3E}">
-        <p14:creationId xmlns:p14="http://schemas.microsoft.com/office/powerpoint/2010/main" val="1519810773"/>
+        <p14:creationId xmlns:p14="http://schemas.microsoft.com/office/powerpoint/2010/main" xmlns="" val="1519810773"/>
       </p:ext>
     </p:extLst>
   </p:cSld>
@@ -759,7 +765,8 @@
           <a:p>
             <a:fld id="{0766EFC2-4840-4FB3-9AD7-F492D8CBD41D}" type="datetimeFigureOut">
               <a:rPr lang="de-DE" smtClean="0"/>
-              <a:t>22.07.2016</a:t>
+              <a:pPr/>
+              <a:t>23.07.2016</a:t>
             </a:fld>
             <a:endParaRPr lang="de-DE"/>
           </a:p>
@@ -801,6 +808,7 @@
           <a:p>
             <a:fld id="{4BCF9E9A-5351-4D0B-B9F3-D68745939D48}" type="slidenum">
               <a:rPr lang="de-DE" smtClean="0"/>
+              <a:pPr/>
               <a:t>‹Nr.›</a:t>
             </a:fld>
             <a:endParaRPr lang="de-DE"/>
@@ -810,7 +818,7 @@
     </p:spTree>
     <p:extLst>
       <p:ext uri="{BB962C8B-B14F-4D97-AF65-F5344CB8AC3E}">
-        <p14:creationId xmlns:p14="http://schemas.microsoft.com/office/powerpoint/2010/main" val="1662328900"/>
+        <p14:creationId xmlns:p14="http://schemas.microsoft.com/office/powerpoint/2010/main" xmlns="" val="1662328900"/>
       </p:ext>
     </p:extLst>
   </p:cSld>
@@ -1005,7 +1013,8 @@
           <a:p>
             <a:fld id="{0766EFC2-4840-4FB3-9AD7-F492D8CBD41D}" type="datetimeFigureOut">
               <a:rPr lang="de-DE" smtClean="0"/>
-              <a:t>22.07.2016</a:t>
+              <a:pPr/>
+              <a:t>23.07.2016</a:t>
             </a:fld>
             <a:endParaRPr lang="de-DE"/>
           </a:p>
@@ -1047,6 +1056,7 @@
           <a:p>
             <a:fld id="{4BCF9E9A-5351-4D0B-B9F3-D68745939D48}" type="slidenum">
               <a:rPr lang="de-DE" smtClean="0"/>
+              <a:pPr/>
               <a:t>‹Nr.›</a:t>
             </a:fld>
             <a:endParaRPr lang="de-DE"/>
@@ -1056,7 +1066,7 @@
     </p:spTree>
     <p:extLst>
       <p:ext uri="{BB962C8B-B14F-4D97-AF65-F5344CB8AC3E}">
-        <p14:creationId xmlns:p14="http://schemas.microsoft.com/office/powerpoint/2010/main" val="634736978"/>
+        <p14:creationId xmlns:p14="http://schemas.microsoft.com/office/powerpoint/2010/main" xmlns="" val="634736978"/>
       </p:ext>
     </p:extLst>
   </p:cSld>
@@ -1237,7 +1247,8 @@
           <a:p>
             <a:fld id="{0766EFC2-4840-4FB3-9AD7-F492D8CBD41D}" type="datetimeFigureOut">
               <a:rPr lang="de-DE" smtClean="0"/>
-              <a:t>22.07.2016</a:t>
+              <a:pPr/>
+              <a:t>23.07.2016</a:t>
             </a:fld>
             <a:endParaRPr lang="de-DE"/>
           </a:p>
@@ -1279,6 +1290,7 @@
           <a:p>
             <a:fld id="{4BCF9E9A-5351-4D0B-B9F3-D68745939D48}" type="slidenum">
               <a:rPr lang="de-DE" smtClean="0"/>
+              <a:pPr/>
               <a:t>‹Nr.›</a:t>
             </a:fld>
             <a:endParaRPr lang="de-DE"/>
@@ -1288,7 +1300,7 @@
     </p:spTree>
     <p:extLst>
       <p:ext uri="{BB962C8B-B14F-4D97-AF65-F5344CB8AC3E}">
-        <p14:creationId xmlns:p14="http://schemas.microsoft.com/office/powerpoint/2010/main" val="2768936504"/>
+        <p14:creationId xmlns:p14="http://schemas.microsoft.com/office/powerpoint/2010/main" xmlns="" val="2768936504"/>
       </p:ext>
     </p:extLst>
   </p:cSld>
@@ -1604,7 +1616,8 @@
           <a:p>
             <a:fld id="{0766EFC2-4840-4FB3-9AD7-F492D8CBD41D}" type="datetimeFigureOut">
               <a:rPr lang="de-DE" smtClean="0"/>
-              <a:t>22.07.2016</a:t>
+              <a:pPr/>
+              <a:t>23.07.2016</a:t>
             </a:fld>
             <a:endParaRPr lang="de-DE"/>
           </a:p>
@@ -1646,6 +1659,7 @@
           <a:p>
             <a:fld id="{4BCF9E9A-5351-4D0B-B9F3-D68745939D48}" type="slidenum">
               <a:rPr lang="de-DE" smtClean="0"/>
+              <a:pPr/>
               <a:t>‹Nr.›</a:t>
             </a:fld>
             <a:endParaRPr lang="de-DE"/>
@@ -1655,7 +1669,7 @@
     </p:spTree>
     <p:extLst>
       <p:ext uri="{BB962C8B-B14F-4D97-AF65-F5344CB8AC3E}">
-        <p14:creationId xmlns:p14="http://schemas.microsoft.com/office/powerpoint/2010/main" val="3258941726"/>
+        <p14:creationId xmlns:p14="http://schemas.microsoft.com/office/powerpoint/2010/main" xmlns="" val="3258941726"/>
       </p:ext>
     </p:extLst>
   </p:cSld>
@@ -1722,7 +1736,8 @@
           <a:p>
             <a:fld id="{0766EFC2-4840-4FB3-9AD7-F492D8CBD41D}" type="datetimeFigureOut">
               <a:rPr lang="de-DE" smtClean="0"/>
-              <a:t>22.07.2016</a:t>
+              <a:pPr/>
+              <a:t>23.07.2016</a:t>
             </a:fld>
             <a:endParaRPr lang="de-DE"/>
           </a:p>
@@ -1764,6 +1779,7 @@
           <a:p>
             <a:fld id="{4BCF9E9A-5351-4D0B-B9F3-D68745939D48}" type="slidenum">
               <a:rPr lang="de-DE" smtClean="0"/>
+              <a:pPr/>
               <a:t>‹Nr.›</a:t>
             </a:fld>
             <a:endParaRPr lang="de-DE"/>
@@ -1773,7 +1789,7 @@
     </p:spTree>
     <p:extLst>
       <p:ext uri="{BB962C8B-B14F-4D97-AF65-F5344CB8AC3E}">
-        <p14:creationId xmlns:p14="http://schemas.microsoft.com/office/powerpoint/2010/main" val="3782103032"/>
+        <p14:creationId xmlns:p14="http://schemas.microsoft.com/office/powerpoint/2010/main" xmlns="" val="3782103032"/>
       </p:ext>
     </p:extLst>
   </p:cSld>
@@ -1817,7 +1833,8 @@
           <a:p>
             <a:fld id="{0766EFC2-4840-4FB3-9AD7-F492D8CBD41D}" type="datetimeFigureOut">
               <a:rPr lang="de-DE" smtClean="0"/>
-              <a:t>22.07.2016</a:t>
+              <a:pPr/>
+              <a:t>23.07.2016</a:t>
             </a:fld>
             <a:endParaRPr lang="de-DE"/>
           </a:p>
@@ -1859,6 +1876,7 @@
           <a:p>
             <a:fld id="{4BCF9E9A-5351-4D0B-B9F3-D68745939D48}" type="slidenum">
               <a:rPr lang="de-DE" smtClean="0"/>
+              <a:pPr/>
               <a:t>‹Nr.›</a:t>
             </a:fld>
             <a:endParaRPr lang="de-DE"/>
@@ -1868,7 +1886,7 @@
     </p:spTree>
     <p:extLst>
       <p:ext uri="{BB962C8B-B14F-4D97-AF65-F5344CB8AC3E}">
-        <p14:creationId xmlns:p14="http://schemas.microsoft.com/office/powerpoint/2010/main" val="4032542075"/>
+        <p14:creationId xmlns:p14="http://schemas.microsoft.com/office/powerpoint/2010/main" xmlns="" val="4032542075"/>
       </p:ext>
     </p:extLst>
   </p:cSld>
@@ -2094,7 +2112,8 @@
           <a:p>
             <a:fld id="{0766EFC2-4840-4FB3-9AD7-F492D8CBD41D}" type="datetimeFigureOut">
               <a:rPr lang="de-DE" smtClean="0"/>
-              <a:t>22.07.2016</a:t>
+              <a:pPr/>
+              <a:t>23.07.2016</a:t>
             </a:fld>
             <a:endParaRPr lang="de-DE"/>
           </a:p>
@@ -2136,6 +2155,7 @@
           <a:p>
             <a:fld id="{4BCF9E9A-5351-4D0B-B9F3-D68745939D48}" type="slidenum">
               <a:rPr lang="de-DE" smtClean="0"/>
+              <a:pPr/>
               <a:t>‹Nr.›</a:t>
             </a:fld>
             <a:endParaRPr lang="de-DE"/>
@@ -2145,7 +2165,7 @@
     </p:spTree>
     <p:extLst>
       <p:ext uri="{BB962C8B-B14F-4D97-AF65-F5344CB8AC3E}">
-        <p14:creationId xmlns:p14="http://schemas.microsoft.com/office/powerpoint/2010/main" val="2186884634"/>
+        <p14:creationId xmlns:p14="http://schemas.microsoft.com/office/powerpoint/2010/main" xmlns="" val="2186884634"/>
       </p:ext>
     </p:extLst>
   </p:cSld>
@@ -2347,7 +2367,8 @@
           <a:p>
             <a:fld id="{0766EFC2-4840-4FB3-9AD7-F492D8CBD41D}" type="datetimeFigureOut">
               <a:rPr lang="de-DE" smtClean="0"/>
-              <a:t>22.07.2016</a:t>
+              <a:pPr/>
+              <a:t>23.07.2016</a:t>
             </a:fld>
             <a:endParaRPr lang="de-DE"/>
           </a:p>
@@ -2389,6 +2410,7 @@
           <a:p>
             <a:fld id="{4BCF9E9A-5351-4D0B-B9F3-D68745939D48}" type="slidenum">
               <a:rPr lang="de-DE" smtClean="0"/>
+              <a:pPr/>
               <a:t>‹Nr.›</a:t>
             </a:fld>
             <a:endParaRPr lang="de-DE"/>
@@ -2398,7 +2420,7 @@
     </p:spTree>
     <p:extLst>
       <p:ext uri="{BB962C8B-B14F-4D97-AF65-F5344CB8AC3E}">
-        <p14:creationId xmlns:p14="http://schemas.microsoft.com/office/powerpoint/2010/main" val="4085259523"/>
+        <p14:creationId xmlns:p14="http://schemas.microsoft.com/office/powerpoint/2010/main" xmlns="" val="4085259523"/>
       </p:ext>
     </p:extLst>
   </p:cSld>
@@ -2560,7 +2582,8 @@
           <a:p>
             <a:fld id="{0766EFC2-4840-4FB3-9AD7-F492D8CBD41D}" type="datetimeFigureOut">
               <a:rPr lang="de-DE" smtClean="0"/>
-              <a:t>22.07.2016</a:t>
+              <a:pPr/>
+              <a:t>23.07.2016</a:t>
             </a:fld>
             <a:endParaRPr lang="de-DE"/>
           </a:p>
@@ -2638,6 +2661,7 @@
           <a:p>
             <a:fld id="{4BCF9E9A-5351-4D0B-B9F3-D68745939D48}" type="slidenum">
               <a:rPr lang="de-DE" smtClean="0"/>
+              <a:pPr/>
               <a:t>‹Nr.›</a:t>
             </a:fld>
             <a:endParaRPr lang="de-DE"/>
@@ -2647,7 +2671,7 @@
     </p:spTree>
     <p:extLst>
       <p:ext uri="{BB962C8B-B14F-4D97-AF65-F5344CB8AC3E}">
-        <p14:creationId xmlns:p14="http://schemas.microsoft.com/office/powerpoint/2010/main" val="2940603306"/>
+        <p14:creationId xmlns:p14="http://schemas.microsoft.com/office/powerpoint/2010/main" xmlns="" val="2940603306"/>
       </p:ext>
     </p:extLst>
   </p:cSld>
@@ -2974,7 +2998,7 @@
           <p:nvPr/>
         </p:nvPicPr>
         <p:blipFill>
-          <a:blip r:embed="rId2"/>
+          <a:blip r:embed="rId2" cstate="print"/>
           <a:stretch>
             <a:fillRect/>
           </a:stretch>
@@ -3168,10 +3192,237 @@
           </a:p>
         </p:txBody>
       </p:sp>
+      <p:pic>
+        <p:nvPicPr>
+          <p:cNvPr id="1026" name="Picture 2"/>
+          <p:cNvPicPr>
+            <a:picLocks noChangeAspect="1" noChangeArrowheads="1"/>
+          </p:cNvPicPr>
+          <p:nvPr/>
+        </p:nvPicPr>
+        <p:blipFill>
+          <a:blip r:embed="rId3" cstate="print"/>
+          <a:srcRect/>
+          <a:stretch>
+            <a:fillRect/>
+          </a:stretch>
+        </p:blipFill>
+        <p:spPr bwMode="auto">
+          <a:xfrm>
+            <a:off x="374822" y="3288056"/>
+            <a:ext cx="11277600" cy="2390775"/>
+          </a:xfrm>
+          <a:prstGeom prst="rect">
+            <a:avLst/>
+          </a:prstGeom>
+          <a:noFill/>
+          <a:ln w="9525">
+            <a:noFill/>
+            <a:miter lim="800000"/>
+            <a:headEnd/>
+            <a:tailEnd/>
+          </a:ln>
+        </p:spPr>
+      </p:pic>
+      <p:sp>
+        <p:nvSpPr>
+          <p:cNvPr id="12" name="Rechteck 11"/>
+          <p:cNvSpPr/>
+          <p:nvPr/>
+        </p:nvSpPr>
+        <p:spPr>
+          <a:xfrm>
+            <a:off x="1243914" y="5799609"/>
+            <a:ext cx="7611762" cy="369332"/>
+          </a:xfrm>
+          <a:prstGeom prst="rect">
+            <a:avLst/>
+          </a:prstGeom>
+        </p:spPr>
+        <p:txBody>
+          <a:bodyPr wrap="square">
+            <a:spAutoFit/>
+          </a:bodyPr>
+          <a:lstStyle/>
+          <a:p>
+            <a:r>
+              <a:rPr lang="de-DE" dirty="0" smtClean="0"/>
+              <a:t>https://color.adobe.com/de/Steampunk-Blog-Fofo-color-theme-7477951/</a:t>
+            </a:r>
+            <a:endParaRPr lang="de-DE" dirty="0"/>
+          </a:p>
+        </p:txBody>
+      </p:sp>
+      <p:sp>
+        <p:nvSpPr>
+          <p:cNvPr id="13" name="Textfeld 12"/>
+          <p:cNvSpPr txBox="1"/>
+          <p:nvPr/>
+        </p:nvSpPr>
+        <p:spPr>
+          <a:xfrm>
+            <a:off x="1050324" y="5004715"/>
+            <a:ext cx="1026243" cy="369332"/>
+          </a:xfrm>
+          <a:prstGeom prst="rect">
+            <a:avLst/>
+          </a:prstGeom>
+          <a:noFill/>
+        </p:spPr>
+        <p:txBody>
+          <a:bodyPr wrap="none" rtlCol="0">
+            <a:spAutoFit/>
+          </a:bodyPr>
+          <a:lstStyle/>
+          <a:p>
+            <a:r>
+              <a:rPr lang="de-DE" dirty="0" smtClean="0"/>
+              <a:t>#</a:t>
+            </a:r>
+            <a:r>
+              <a:rPr lang="de-DE" dirty="0" smtClean="0"/>
+              <a:t>AB7633</a:t>
+            </a:r>
+            <a:endParaRPr lang="de-DE" dirty="0"/>
+          </a:p>
+        </p:txBody>
+      </p:sp>
+      <p:sp>
+        <p:nvSpPr>
+          <p:cNvPr id="14" name="Textfeld 13"/>
+          <p:cNvSpPr txBox="1"/>
+          <p:nvPr/>
+        </p:nvSpPr>
+        <p:spPr>
+          <a:xfrm>
+            <a:off x="3288728" y="5004715"/>
+            <a:ext cx="1040670" cy="369332"/>
+          </a:xfrm>
+          <a:prstGeom prst="rect">
+            <a:avLst/>
+          </a:prstGeom>
+          <a:noFill/>
+        </p:spPr>
+        <p:txBody>
+          <a:bodyPr wrap="none" rtlCol="0">
+            <a:spAutoFit/>
+          </a:bodyPr>
+          <a:lstStyle/>
+          <a:p>
+            <a:r>
+              <a:rPr lang="de-DE" dirty="0" smtClean="0"/>
+              <a:t>#</a:t>
+            </a:r>
+            <a:r>
+              <a:rPr lang="de-DE" dirty="0" smtClean="0"/>
+              <a:t>C2AB6B</a:t>
+            </a:r>
+            <a:endParaRPr lang="de-DE" dirty="0"/>
+          </a:p>
+        </p:txBody>
+      </p:sp>
+      <p:sp>
+        <p:nvSpPr>
+          <p:cNvPr id="15" name="Textfeld 14"/>
+          <p:cNvSpPr txBox="1"/>
+          <p:nvPr/>
+        </p:nvSpPr>
+        <p:spPr>
+          <a:xfrm>
+            <a:off x="5455039" y="5004715"/>
+            <a:ext cx="1027845" cy="369332"/>
+          </a:xfrm>
+          <a:prstGeom prst="rect">
+            <a:avLst/>
+          </a:prstGeom>
+          <a:noFill/>
+        </p:spPr>
+        <p:txBody>
+          <a:bodyPr wrap="none" rtlCol="0">
+            <a:spAutoFit/>
+          </a:bodyPr>
+          <a:lstStyle/>
+          <a:p>
+            <a:r>
+              <a:rPr lang="de-DE" dirty="0" smtClean="0"/>
+              <a:t>#</a:t>
+            </a:r>
+            <a:r>
+              <a:rPr lang="de-DE" dirty="0" smtClean="0"/>
+              <a:t>6D2316</a:t>
+            </a:r>
+            <a:endParaRPr lang="de-DE" dirty="0"/>
+          </a:p>
+        </p:txBody>
+      </p:sp>
+      <p:sp>
+        <p:nvSpPr>
+          <p:cNvPr id="16" name="Textfeld 15"/>
+          <p:cNvSpPr txBox="1"/>
+          <p:nvPr/>
+        </p:nvSpPr>
+        <p:spPr>
+          <a:xfrm>
+            <a:off x="7695731" y="5004715"/>
+            <a:ext cx="1027845" cy="369332"/>
+          </a:xfrm>
+          <a:prstGeom prst="rect">
+            <a:avLst/>
+          </a:prstGeom>
+          <a:noFill/>
+        </p:spPr>
+        <p:txBody>
+          <a:bodyPr wrap="none" rtlCol="0">
+            <a:spAutoFit/>
+          </a:bodyPr>
+          <a:lstStyle/>
+          <a:p>
+            <a:r>
+              <a:rPr lang="de-DE" dirty="0" smtClean="0"/>
+              <a:t>#</a:t>
+            </a:r>
+            <a:r>
+              <a:rPr lang="de-DE" dirty="0" smtClean="0"/>
+              <a:t>85432D</a:t>
+            </a:r>
+            <a:endParaRPr lang="de-DE" dirty="0"/>
+          </a:p>
+        </p:txBody>
+      </p:sp>
+      <p:sp>
+        <p:nvSpPr>
+          <p:cNvPr id="17" name="Textfeld 16"/>
+          <p:cNvSpPr txBox="1"/>
+          <p:nvPr/>
+        </p:nvSpPr>
+        <p:spPr>
+          <a:xfrm>
+            <a:off x="9868003" y="5004715"/>
+            <a:ext cx="1016625" cy="369332"/>
+          </a:xfrm>
+          <a:prstGeom prst="rect">
+            <a:avLst/>
+          </a:prstGeom>
+          <a:noFill/>
+        </p:spPr>
+        <p:txBody>
+          <a:bodyPr wrap="none" rtlCol="0">
+            <a:spAutoFit/>
+          </a:bodyPr>
+          <a:lstStyle/>
+          <a:p>
+            <a:r>
+              <a:rPr lang="de-DE" smtClean="0"/>
+              <a:t>#B28C59</a:t>
+            </a:r>
+            <a:endParaRPr lang="de-DE" dirty="0"/>
+          </a:p>
+        </p:txBody>
+      </p:sp>
     </p:spTree>
     <p:extLst>
       <p:ext uri="{BB962C8B-B14F-4D97-AF65-F5344CB8AC3E}">
-        <p14:creationId xmlns:p14="http://schemas.microsoft.com/office/powerpoint/2010/main" val="1700685941"/>
+        <p14:creationId xmlns:p14="http://schemas.microsoft.com/office/powerpoint/2010/main" xmlns="" val="1700685941"/>
       </p:ext>
     </p:extLst>
   </p:cSld>
@@ -3207,7 +3458,7 @@
           <p:nvPr/>
         </p:nvPicPr>
         <p:blipFill>
-          <a:blip r:embed="rId2"/>
+          <a:blip r:embed="rId2" cstate="print"/>
           <a:stretch>
             <a:fillRect/>
           </a:stretch>
@@ -3225,7 +3476,7 @@
     </p:spTree>
     <p:extLst>
       <p:ext uri="{BB962C8B-B14F-4D97-AF65-F5344CB8AC3E}">
-        <p14:creationId xmlns:p14="http://schemas.microsoft.com/office/powerpoint/2010/main" val="2313487564"/>
+        <p14:creationId xmlns:p14="http://schemas.microsoft.com/office/powerpoint/2010/main" xmlns="" val="2313487564"/>
       </p:ext>
     </p:extLst>
   </p:cSld>
@@ -3278,7 +3529,7 @@
     </a:clrScheme>
     <a:fontScheme name="Office">
       <a:majorFont>
-        <a:latin typeface="Calibri Light" panose="020F0302020204030204"/>
+        <a:latin typeface="Calibri Light"/>
         <a:ea typeface=""/>
         <a:cs typeface=""/>
         <a:font script="Jpan" typeface="ＭＳ Ｐゴシック"/>
@@ -3313,7 +3564,7 @@
         <a:font script="Geor" typeface="Sylfaen"/>
       </a:majorFont>
       <a:minorFont>
-        <a:latin typeface="Calibri" panose="020F0502020204030204"/>
+        <a:latin typeface="Calibri"/>
         <a:ea typeface=""/>
         <a:cs typeface=""/>
         <a:font script="Jpan" typeface="ＭＳ Ｐゴシック"/>
@@ -3490,7 +3741,7 @@
   <a:extraClrSchemeLst/>
   <a:extLst>
     <a:ext uri="{05A4C25C-085E-4340-85A3-A5531E510DB2}">
-      <thm15:themeFamily xmlns:thm15="http://schemas.microsoft.com/office/thememl/2012/main" name="Office Theme" id="{62F939B6-93AF-4DB8-9C6B-D6C7DFDC589F}" vid="{4A3C46E8-61CC-4603-A589-7422A47A8E4A}"/>
+      <thm15:themeFamily xmlns:thm15="http://schemas.microsoft.com/office/thememl/2012/main" xmlns="" name="Office Theme" id="{62F939B6-93AF-4DB8-9C6B-D6C7DFDC589F}" vid="{4A3C46E8-61CC-4603-A589-7422A47A8E4A}"/>
     </a:ext>
   </a:extLst>
 </a:theme>

--- a/openHPI/Farbschema.pptx
+++ b/openHPI/Farbschema.pptx
@@ -6,7 +6,8 @@
   </p:sldMasterIdLst>
   <p:sldIdLst>
     <p:sldId id="256" r:id="rId2"/>
-    <p:sldId id="257" r:id="rId3"/>
+    <p:sldId id="258" r:id="rId3"/>
+    <p:sldId id="257" r:id="rId4"/>
   </p:sldIdLst>
   <p:sldSz cx="12192000" cy="6858000"/>
   <p:notesSz cx="6858000" cy="9144000"/>
@@ -292,7 +293,7 @@
     </p:spTree>
     <p:extLst>
       <p:ext uri="{BB962C8B-B14F-4D97-AF65-F5344CB8AC3E}">
-        <p14:creationId xmlns:p14="http://schemas.microsoft.com/office/powerpoint/2010/main" xmlns="" val="3482179455"/>
+        <p14:creationId xmlns="" xmlns:p14="http://schemas.microsoft.com/office/powerpoint/2010/main" val="3482179455"/>
       </p:ext>
     </p:extLst>
   </p:cSld>
@@ -464,7 +465,7 @@
     </p:spTree>
     <p:extLst>
       <p:ext uri="{BB962C8B-B14F-4D97-AF65-F5344CB8AC3E}">
-        <p14:creationId xmlns:p14="http://schemas.microsoft.com/office/powerpoint/2010/main" xmlns="" val="170156234"/>
+        <p14:creationId xmlns="" xmlns:p14="http://schemas.microsoft.com/office/powerpoint/2010/main" val="170156234"/>
       </p:ext>
     </p:extLst>
   </p:cSld>
@@ -646,7 +647,7 @@
     </p:spTree>
     <p:extLst>
       <p:ext uri="{BB962C8B-B14F-4D97-AF65-F5344CB8AC3E}">
-        <p14:creationId xmlns:p14="http://schemas.microsoft.com/office/powerpoint/2010/main" xmlns="" val="1519810773"/>
+        <p14:creationId xmlns="" xmlns:p14="http://schemas.microsoft.com/office/powerpoint/2010/main" val="1519810773"/>
       </p:ext>
     </p:extLst>
   </p:cSld>
@@ -818,7 +819,7 @@
     </p:spTree>
     <p:extLst>
       <p:ext uri="{BB962C8B-B14F-4D97-AF65-F5344CB8AC3E}">
-        <p14:creationId xmlns:p14="http://schemas.microsoft.com/office/powerpoint/2010/main" xmlns="" val="1662328900"/>
+        <p14:creationId xmlns="" xmlns:p14="http://schemas.microsoft.com/office/powerpoint/2010/main" val="1662328900"/>
       </p:ext>
     </p:extLst>
   </p:cSld>
@@ -1066,7 +1067,7 @@
     </p:spTree>
     <p:extLst>
       <p:ext uri="{BB962C8B-B14F-4D97-AF65-F5344CB8AC3E}">
-        <p14:creationId xmlns:p14="http://schemas.microsoft.com/office/powerpoint/2010/main" xmlns="" val="634736978"/>
+        <p14:creationId xmlns="" xmlns:p14="http://schemas.microsoft.com/office/powerpoint/2010/main" val="634736978"/>
       </p:ext>
     </p:extLst>
   </p:cSld>
@@ -1300,7 +1301,7 @@
     </p:spTree>
     <p:extLst>
       <p:ext uri="{BB962C8B-B14F-4D97-AF65-F5344CB8AC3E}">
-        <p14:creationId xmlns:p14="http://schemas.microsoft.com/office/powerpoint/2010/main" xmlns="" val="2768936504"/>
+        <p14:creationId xmlns="" xmlns:p14="http://schemas.microsoft.com/office/powerpoint/2010/main" val="2768936504"/>
       </p:ext>
     </p:extLst>
   </p:cSld>
@@ -1669,7 +1670,7 @@
     </p:spTree>
     <p:extLst>
       <p:ext uri="{BB962C8B-B14F-4D97-AF65-F5344CB8AC3E}">
-        <p14:creationId xmlns:p14="http://schemas.microsoft.com/office/powerpoint/2010/main" xmlns="" val="3258941726"/>
+        <p14:creationId xmlns="" xmlns:p14="http://schemas.microsoft.com/office/powerpoint/2010/main" val="3258941726"/>
       </p:ext>
     </p:extLst>
   </p:cSld>
@@ -1789,7 +1790,7 @@
     </p:spTree>
     <p:extLst>
       <p:ext uri="{BB962C8B-B14F-4D97-AF65-F5344CB8AC3E}">
-        <p14:creationId xmlns:p14="http://schemas.microsoft.com/office/powerpoint/2010/main" xmlns="" val="3782103032"/>
+        <p14:creationId xmlns="" xmlns:p14="http://schemas.microsoft.com/office/powerpoint/2010/main" val="3782103032"/>
       </p:ext>
     </p:extLst>
   </p:cSld>
@@ -1886,7 +1887,7 @@
     </p:spTree>
     <p:extLst>
       <p:ext uri="{BB962C8B-B14F-4D97-AF65-F5344CB8AC3E}">
-        <p14:creationId xmlns:p14="http://schemas.microsoft.com/office/powerpoint/2010/main" xmlns="" val="4032542075"/>
+        <p14:creationId xmlns="" xmlns:p14="http://schemas.microsoft.com/office/powerpoint/2010/main" val="4032542075"/>
       </p:ext>
     </p:extLst>
   </p:cSld>
@@ -2165,7 +2166,7 @@
     </p:spTree>
     <p:extLst>
       <p:ext uri="{BB962C8B-B14F-4D97-AF65-F5344CB8AC3E}">
-        <p14:creationId xmlns:p14="http://schemas.microsoft.com/office/powerpoint/2010/main" xmlns="" val="2186884634"/>
+        <p14:creationId xmlns="" xmlns:p14="http://schemas.microsoft.com/office/powerpoint/2010/main" val="2186884634"/>
       </p:ext>
     </p:extLst>
   </p:cSld>
@@ -2420,7 +2421,7 @@
     </p:spTree>
     <p:extLst>
       <p:ext uri="{BB962C8B-B14F-4D97-AF65-F5344CB8AC3E}">
-        <p14:creationId xmlns:p14="http://schemas.microsoft.com/office/powerpoint/2010/main" xmlns="" val="4085259523"/>
+        <p14:creationId xmlns="" xmlns:p14="http://schemas.microsoft.com/office/powerpoint/2010/main" val="4085259523"/>
       </p:ext>
     </p:extLst>
   </p:cSld>
@@ -2671,7 +2672,7 @@
     </p:spTree>
     <p:extLst>
       <p:ext uri="{BB962C8B-B14F-4D97-AF65-F5344CB8AC3E}">
-        <p14:creationId xmlns:p14="http://schemas.microsoft.com/office/powerpoint/2010/main" xmlns="" val="2940603306"/>
+        <p14:creationId xmlns="" xmlns:p14="http://schemas.microsoft.com/office/powerpoint/2010/main" val="2940603306"/>
       </p:ext>
     </p:extLst>
   </p:cSld>
@@ -3277,11 +3278,7 @@
           <a:p>
             <a:r>
               <a:rPr lang="de-DE" dirty="0" smtClean="0"/>
-              <a:t>#</a:t>
-            </a:r>
-            <a:r>
-              <a:rPr lang="de-DE" dirty="0" smtClean="0"/>
-              <a:t>AB7633</a:t>
+              <a:t>#AB7633</a:t>
             </a:r>
             <a:endParaRPr lang="de-DE" dirty="0"/>
           </a:p>
@@ -3311,11 +3308,7 @@
           <a:p>
             <a:r>
               <a:rPr lang="de-DE" dirty="0" smtClean="0"/>
-              <a:t>#</a:t>
-            </a:r>
-            <a:r>
-              <a:rPr lang="de-DE" dirty="0" smtClean="0"/>
-              <a:t>C2AB6B</a:t>
+              <a:t>#C2AB6B</a:t>
             </a:r>
             <a:endParaRPr lang="de-DE" dirty="0"/>
           </a:p>
@@ -3345,11 +3338,7 @@
           <a:p>
             <a:r>
               <a:rPr lang="de-DE" dirty="0" smtClean="0"/>
-              <a:t>#</a:t>
-            </a:r>
-            <a:r>
-              <a:rPr lang="de-DE" dirty="0" smtClean="0"/>
-              <a:t>6D2316</a:t>
+              <a:t>#6D2316</a:t>
             </a:r>
             <a:endParaRPr lang="de-DE" dirty="0"/>
           </a:p>
@@ -3379,11 +3368,7 @@
           <a:p>
             <a:r>
               <a:rPr lang="de-DE" dirty="0" smtClean="0"/>
-              <a:t>#</a:t>
-            </a:r>
-            <a:r>
-              <a:rPr lang="de-DE" dirty="0" smtClean="0"/>
-              <a:t>85432D</a:t>
+              <a:t>#85432D</a:t>
             </a:r>
             <a:endParaRPr lang="de-DE" dirty="0"/>
           </a:p>
@@ -3422,7 +3407,7 @@
     </p:spTree>
     <p:extLst>
       <p:ext uri="{BB962C8B-B14F-4D97-AF65-F5344CB8AC3E}">
-        <p14:creationId xmlns:p14="http://schemas.microsoft.com/office/powerpoint/2010/main" xmlns="" val="1700685941"/>
+        <p14:creationId xmlns="" xmlns:p14="http://schemas.microsoft.com/office/powerpoint/2010/main" val="1700685941"/>
       </p:ext>
     </p:extLst>
   </p:cSld>
@@ -3433,6 +3418,60 @@
 </file>
 
 <file path=ppt/slides/slide2.xml><?xml version="1.0" encoding="utf-8"?>
+<p:sld xmlns:a="http://schemas.openxmlformats.org/drawingml/2006/main" xmlns:r="http://schemas.openxmlformats.org/officeDocument/2006/relationships" xmlns:p="http://schemas.openxmlformats.org/presentationml/2006/main">
+  <p:cSld>
+    <p:spTree>
+      <p:nvGrpSpPr>
+        <p:cNvPr id="1" name=""/>
+        <p:cNvGrpSpPr/>
+        <p:nvPr/>
+      </p:nvGrpSpPr>
+      <p:grpSpPr>
+        <a:xfrm>
+          <a:off x="0" y="0"/>
+          <a:ext cx="0" cy="0"/>
+          <a:chOff x="0" y="0"/>
+          <a:chExt cx="0" cy="0"/>
+        </a:xfrm>
+      </p:grpSpPr>
+      <p:sp>
+        <p:nvSpPr>
+          <p:cNvPr id="2" name="Rechteck 1"/>
+          <p:cNvSpPr/>
+          <p:nvPr/>
+        </p:nvSpPr>
+        <p:spPr>
+          <a:xfrm>
+            <a:off x="3048000" y="3105835"/>
+            <a:ext cx="6096000" cy="646331"/>
+          </a:xfrm>
+          <a:prstGeom prst="rect">
+            <a:avLst/>
+          </a:prstGeom>
+        </p:spPr>
+        <p:txBody>
+          <a:bodyPr>
+            <a:spAutoFit/>
+          </a:bodyPr>
+          <a:lstStyle/>
+          <a:p>
+            <a:r>
+              <a:rPr lang="de-DE" dirty="0" smtClean="0"/>
+              <a:t>https://color.adobe.com/de/green-thumb-color-theme-7984402</a:t>
+            </a:r>
+            <a:endParaRPr lang="de-DE" dirty="0"/>
+          </a:p>
+        </p:txBody>
+      </p:sp>
+    </p:spTree>
+  </p:cSld>
+  <p:clrMapOvr>
+    <a:masterClrMapping/>
+  </p:clrMapOvr>
+</p:sld>
+</file>
+
+<file path=ppt/slides/slide3.xml><?xml version="1.0" encoding="utf-8"?>
 <p:sld xmlns:a="http://schemas.openxmlformats.org/drawingml/2006/main" xmlns:r="http://schemas.openxmlformats.org/officeDocument/2006/relationships" xmlns:p="http://schemas.openxmlformats.org/presentationml/2006/main">
   <p:cSld>
     <p:spTree>
@@ -3476,7 +3515,7 @@
     </p:spTree>
     <p:extLst>
       <p:ext uri="{BB962C8B-B14F-4D97-AF65-F5344CB8AC3E}">
-        <p14:creationId xmlns:p14="http://schemas.microsoft.com/office/powerpoint/2010/main" xmlns="" val="2313487564"/>
+        <p14:creationId xmlns="" xmlns:p14="http://schemas.microsoft.com/office/powerpoint/2010/main" val="2313487564"/>
       </p:ext>
     </p:extLst>
   </p:cSld>
@@ -3741,7 +3780,7 @@
   <a:extraClrSchemeLst/>
   <a:extLst>
     <a:ext uri="{05A4C25C-085E-4340-85A3-A5531E510DB2}">
-      <thm15:themeFamily xmlns:thm15="http://schemas.microsoft.com/office/thememl/2012/main" xmlns="" name="Office Theme" id="{62F939B6-93AF-4DB8-9C6B-D6C7DFDC589F}" vid="{4A3C46E8-61CC-4603-A589-7422A47A8E4A}"/>
+      <thm15:themeFamily xmlns="" xmlns:thm15="http://schemas.microsoft.com/office/thememl/2012/main" name="Office Theme" id="{62F939B6-93AF-4DB8-9C6B-D6C7DFDC589F}" vid="{4A3C46E8-61CC-4603-A589-7422A47A8E4A}"/>
     </a:ext>
   </a:extLst>
 </a:theme>
